--- a/Susan/HW3_WebCrawling_AbstractAnalysis/2020 SDA I NCTU_0856706_HW3_Task2.pptx
+++ b/Susan/HW3_WebCrawling_AbstractAnalysis/2020 SDA I NCTU_0856706_HW3_Task2.pptx
@@ -688,7 +688,7 @@
           </a:ln>
           <a:extLst>
             <a:ext uri="{C572A759-6A51-4108-AA02-DFA0A04FC94B}">
-              <ma14:wrappingTextBoxFlag xmlns:ma14="http://schemas.microsoft.com/office/mac/drawingml/2011/main" xmlns:a14="http://schemas.microsoft.com/office/drawing/2010/main" xmlns:m="http://schemas.openxmlformats.org/officeDocument/2006/math" xmlns="" val="1"/>
+              <ma14:wrappingTextBoxFlag xmlns="" xmlns:m="http://schemas.openxmlformats.org/officeDocument/2006/math" xmlns:a14="http://schemas.microsoft.com/office/drawing/2010/main" xmlns:ma14="http://schemas.microsoft.com/office/mac/drawingml/2011/main" val="1"/>
             </a:ext>
           </a:extLst>
         </p:spPr>
@@ -1308,7 +1308,7 @@
           </a:ln>
           <a:extLst>
             <a:ext uri="{C572A759-6A51-4108-AA02-DFA0A04FC94B}">
-              <ma14:wrappingTextBoxFlag xmlns:ma14="http://schemas.microsoft.com/office/mac/drawingml/2011/main" xmlns:a14="http://schemas.microsoft.com/office/drawing/2010/main" xmlns:m="http://schemas.openxmlformats.org/officeDocument/2006/math" xmlns="" val="1"/>
+              <ma14:wrappingTextBoxFlag xmlns="" xmlns:m="http://schemas.openxmlformats.org/officeDocument/2006/math" xmlns:a14="http://schemas.microsoft.com/office/drawing/2010/main" xmlns:ma14="http://schemas.microsoft.com/office/mac/drawingml/2011/main" val="1"/>
             </a:ext>
           </a:extLst>
         </p:spPr>
@@ -1359,7 +1359,7 @@
           </a:ln>
           <a:extLst>
             <a:ext uri="{C572A759-6A51-4108-AA02-DFA0A04FC94B}">
-              <ma14:wrappingTextBoxFlag xmlns:ma14="http://schemas.microsoft.com/office/mac/drawingml/2011/main" xmlns:a14="http://schemas.microsoft.com/office/drawing/2010/main" xmlns:m="http://schemas.openxmlformats.org/officeDocument/2006/math" xmlns="" val="1"/>
+              <ma14:wrappingTextBoxFlag xmlns="" xmlns:m="http://schemas.openxmlformats.org/officeDocument/2006/math" xmlns:a14="http://schemas.microsoft.com/office/drawing/2010/main" xmlns:ma14="http://schemas.microsoft.com/office/mac/drawingml/2011/main" val="1"/>
             </a:ext>
           </a:extLst>
         </p:spPr>
@@ -1398,7 +1398,7 @@
           </a:ln>
           <a:extLst>
             <a:ext uri="{C572A759-6A51-4108-AA02-DFA0A04FC94B}">
-              <ma14:wrappingTextBoxFlag xmlns:ma14="http://schemas.microsoft.com/office/mac/drawingml/2011/main" xmlns:a14="http://schemas.microsoft.com/office/drawing/2010/main" xmlns:m="http://schemas.openxmlformats.org/officeDocument/2006/math" xmlns="" val="1"/>
+              <ma14:wrappingTextBoxFlag xmlns="" xmlns:m="http://schemas.openxmlformats.org/officeDocument/2006/math" xmlns:a14="http://schemas.microsoft.com/office/drawing/2010/main" xmlns:ma14="http://schemas.microsoft.com/office/mac/drawingml/2011/main" val="1"/>
             </a:ext>
           </a:extLst>
         </p:spPr>
@@ -8966,8 +8966,12 @@
           <a:lstStyle/>
           <a:p>
             <a:r>
+              <a:rPr lang="en-US" altLang="zh-TW" dirty="0" smtClean="0"/>
+              <a:t>A Web Crawler for </a:t>
+            </a:r>
+            <a:r>
               <a:rPr lang="en-US" altLang="zh-TW" dirty="0"/>
-              <a:t>Web Crawling – Abstract Analysis</a:t>
+              <a:t>Abstract Analysis</a:t>
             </a:r>
             <a:endParaRPr dirty="0"/>
           </a:p>
@@ -8993,7 +8997,7 @@
           </a:prstGeom>
           <a:extLst>
             <a:ext uri="{C572A759-6A51-4108-AA02-DFA0A04FC94B}">
-              <ma14:wrappingTextBoxFlag xmlns:ma14="http://schemas.microsoft.com/office/mac/drawingml/2011/main" xmlns:a14="http://schemas.microsoft.com/office/drawing/2010/main" xmlns:m="http://schemas.openxmlformats.org/officeDocument/2006/math" xmlns="" val="1"/>
+              <ma14:wrappingTextBoxFlag xmlns="" xmlns:m="http://schemas.openxmlformats.org/officeDocument/2006/math" xmlns:a14="http://schemas.microsoft.com/office/drawing/2010/main" xmlns:ma14="http://schemas.microsoft.com/office/mac/drawingml/2011/main" val="1"/>
             </a:ext>
           </a:extLst>
         </p:spPr>
@@ -9029,7 +9033,7 @@
           </a:ln>
           <a:extLst>
             <a:ext uri="{C572A759-6A51-4108-AA02-DFA0A04FC94B}">
-              <ma14:wrappingTextBoxFlag xmlns:ma14="http://schemas.microsoft.com/office/mac/drawingml/2011/main" xmlns:a14="http://schemas.microsoft.com/office/drawing/2010/main" xmlns:m="http://schemas.openxmlformats.org/officeDocument/2006/math" xmlns="" val="1"/>
+              <ma14:wrappingTextBoxFlag xmlns="" xmlns:m="http://schemas.openxmlformats.org/officeDocument/2006/math" xmlns:a14="http://schemas.microsoft.com/office/drawing/2010/main" xmlns:ma14="http://schemas.microsoft.com/office/mac/drawingml/2011/main" val="1"/>
             </a:ext>
           </a:extLst>
         </p:spPr>
@@ -9110,7 +9114,7 @@
           </a:prstGeom>
           <a:extLst>
             <a:ext uri="{C572A759-6A51-4108-AA02-DFA0A04FC94B}">
-              <ma14:wrappingTextBoxFlag xmlns:ma14="http://schemas.microsoft.com/office/mac/drawingml/2011/main" xmlns:a14="http://schemas.microsoft.com/office/drawing/2010/main" xmlns:m="http://schemas.openxmlformats.org/officeDocument/2006/math" xmlns="" val="1"/>
+              <ma14:wrappingTextBoxFlag xmlns="" xmlns:m="http://schemas.openxmlformats.org/officeDocument/2006/math" xmlns:a14="http://schemas.microsoft.com/office/drawing/2010/main" xmlns:ma14="http://schemas.microsoft.com/office/mac/drawingml/2011/main" val="1"/>
             </a:ext>
           </a:extLst>
         </p:spPr>
@@ -9148,7 +9152,7 @@
           <a:p>
             <a:r>
               <a:rPr lang="en-US" altLang="zh-TW" sz="3200" dirty="0"/>
-              <a:t>Briefing of Implementation</a:t>
+              <a:t>Explanations of changes in source code</a:t>
             </a:r>
             <a:endParaRPr dirty="0"/>
           </a:p>
@@ -9191,8 +9195,8 @@
               </a:defRPr>
             </a:pPr>
             <a:r>
-              <a:rPr lang="en-US" altLang="zh-TW" dirty="0"/>
-              <a:t>Select K=7, followings are modifications in code</a:t>
+              <a:rPr lang="en-US" altLang="zh-TW" dirty="0" smtClean="0"/>
+              <a:t>Set K=7</a:t>
             </a:r>
             <a:endParaRPr lang="en-US" altLang="zh-TW" dirty="0" smtClean="0"/>
           </a:p>
@@ -9441,7 +9445,7 @@
           </a:prstGeom>
           <a:extLst>
             <a:ext uri="{C572A759-6A51-4108-AA02-DFA0A04FC94B}">
-              <ma14:wrappingTextBoxFlag xmlns:ma14="http://schemas.microsoft.com/office/mac/drawingml/2011/main" xmlns:a14="http://schemas.microsoft.com/office/drawing/2010/main" xmlns:m="http://schemas.openxmlformats.org/officeDocument/2006/math" xmlns="" val="1"/>
+              <ma14:wrappingTextBoxFlag xmlns="" xmlns:m="http://schemas.openxmlformats.org/officeDocument/2006/math" xmlns:a14="http://schemas.microsoft.com/office/drawing/2010/main" xmlns:ma14="http://schemas.microsoft.com/office/mac/drawingml/2011/main" val="1"/>
             </a:ext>
           </a:extLst>
         </p:spPr>
@@ -9478,8 +9482,12 @@
           <a:lstStyle/>
           <a:p>
             <a:r>
+              <a:rPr lang="en-US" altLang="zh-TW" sz="3200" dirty="0" smtClean="0"/>
+              <a:t>Results: </a:t>
+            </a:r>
+            <a:r>
               <a:rPr lang="en-US" altLang="zh-TW" sz="3200" dirty="0"/>
-              <a:t>Result: heat map</a:t>
+              <a:t>heat map</a:t>
             </a:r>
             <a:endParaRPr dirty="0"/>
           </a:p>
@@ -10766,8 +10774,21 @@
                   <a:schemeClr val="accent2"/>
                 </a:solidFill>
               </a:rPr>
-              <a:t>Risk analysis method</a:t>
+              <a:t>Risk analysis </a:t>
             </a:r>
+            <a:r>
+              <a:rPr lang="en-US" altLang="zh-TW" dirty="0" smtClean="0">
+                <a:solidFill>
+                  <a:schemeClr val="accent2"/>
+                </a:solidFill>
+              </a:rPr>
+              <a:t>methods</a:t>
+            </a:r>
+            <a:endParaRPr lang="en-US" altLang="zh-TW" dirty="0" smtClean="0">
+              <a:solidFill>
+                <a:schemeClr val="accent2"/>
+              </a:solidFill>
+            </a:endParaRPr>
           </a:p>
           <a:p>
             <a:pPr algn="ctr"/>
@@ -10872,7 +10893,31 @@
                   <a:schemeClr val="accent2"/>
                 </a:solidFill>
               </a:rPr>
-              <a:t>Approach for Currency market</a:t>
+              <a:t>Approaches </a:t>
+            </a:r>
+            <a:r>
+              <a:rPr lang="en-US" altLang="zh-TW" dirty="0" smtClean="0">
+                <a:solidFill>
+                  <a:schemeClr val="accent2"/>
+                </a:solidFill>
+              </a:rPr>
+              <a:t>for </a:t>
+            </a:r>
+            <a:r>
+              <a:rPr lang="en-US" altLang="zh-TW" dirty="0" smtClean="0">
+                <a:solidFill>
+                  <a:schemeClr val="accent2"/>
+                </a:solidFill>
+              </a:rPr>
+              <a:t>currency </a:t>
+            </a:r>
+            <a:r>
+              <a:rPr lang="en-US" altLang="zh-TW" dirty="0" smtClean="0">
+                <a:solidFill>
+                  <a:schemeClr val="accent2"/>
+                </a:solidFill>
+              </a:rPr>
+              <a:t>market</a:t>
             </a:r>
           </a:p>
           <a:p>

--- a/Susan/HW3_WebCrawling_AbstractAnalysis/2020 SDA I NCTU_0856706_HW3_Task2.pptx
+++ b/Susan/HW3_WebCrawling_AbstractAnalysis/2020 SDA I NCTU_0856706_HW3_Task2.pptx
@@ -688,7 +688,7 @@
           </a:ln>
           <a:extLst>
             <a:ext uri="{C572A759-6A51-4108-AA02-DFA0A04FC94B}">
-              <ma14:wrappingTextBoxFlag xmlns="" xmlns:m="http://schemas.openxmlformats.org/officeDocument/2006/math" xmlns:a14="http://schemas.microsoft.com/office/drawing/2010/main" xmlns:ma14="http://schemas.microsoft.com/office/mac/drawingml/2011/main" val="1"/>
+              <ma14:wrappingTextBoxFlag xmlns:ma14="http://schemas.microsoft.com/office/mac/drawingml/2011/main" xmlns:a14="http://schemas.microsoft.com/office/drawing/2010/main" xmlns:m="http://schemas.openxmlformats.org/officeDocument/2006/math" xmlns="" val="1"/>
             </a:ext>
           </a:extLst>
         </p:spPr>
@@ -1308,7 +1308,7 @@
           </a:ln>
           <a:extLst>
             <a:ext uri="{C572A759-6A51-4108-AA02-DFA0A04FC94B}">
-              <ma14:wrappingTextBoxFlag xmlns="" xmlns:m="http://schemas.openxmlformats.org/officeDocument/2006/math" xmlns:a14="http://schemas.microsoft.com/office/drawing/2010/main" xmlns:ma14="http://schemas.microsoft.com/office/mac/drawingml/2011/main" val="1"/>
+              <ma14:wrappingTextBoxFlag xmlns:ma14="http://schemas.microsoft.com/office/mac/drawingml/2011/main" xmlns:a14="http://schemas.microsoft.com/office/drawing/2010/main" xmlns:m="http://schemas.openxmlformats.org/officeDocument/2006/math" xmlns="" val="1"/>
             </a:ext>
           </a:extLst>
         </p:spPr>
@@ -1359,7 +1359,7 @@
           </a:ln>
           <a:extLst>
             <a:ext uri="{C572A759-6A51-4108-AA02-DFA0A04FC94B}">
-              <ma14:wrappingTextBoxFlag xmlns="" xmlns:m="http://schemas.openxmlformats.org/officeDocument/2006/math" xmlns:a14="http://schemas.microsoft.com/office/drawing/2010/main" xmlns:ma14="http://schemas.microsoft.com/office/mac/drawingml/2011/main" val="1"/>
+              <ma14:wrappingTextBoxFlag xmlns:ma14="http://schemas.microsoft.com/office/mac/drawingml/2011/main" xmlns:a14="http://schemas.microsoft.com/office/drawing/2010/main" xmlns:m="http://schemas.openxmlformats.org/officeDocument/2006/math" xmlns="" val="1"/>
             </a:ext>
           </a:extLst>
         </p:spPr>
@@ -1398,7 +1398,7 @@
           </a:ln>
           <a:extLst>
             <a:ext uri="{C572A759-6A51-4108-AA02-DFA0A04FC94B}">
-              <ma14:wrappingTextBoxFlag xmlns="" xmlns:m="http://schemas.openxmlformats.org/officeDocument/2006/math" xmlns:a14="http://schemas.microsoft.com/office/drawing/2010/main" xmlns:ma14="http://schemas.microsoft.com/office/mac/drawingml/2011/main" val="1"/>
+              <ma14:wrappingTextBoxFlag xmlns:ma14="http://schemas.microsoft.com/office/mac/drawingml/2011/main" xmlns:a14="http://schemas.microsoft.com/office/drawing/2010/main" xmlns:m="http://schemas.openxmlformats.org/officeDocument/2006/math" xmlns="" val="1"/>
             </a:ext>
           </a:extLst>
         </p:spPr>
@@ -8961,17 +8961,21 @@
         </p:spPr>
         <p:txBody>
           <a:bodyPr>
-            <a:normAutofit fontScale="92500"/>
+            <a:normAutofit/>
           </a:bodyPr>
           <a:lstStyle/>
           <a:p>
             <a:r>
               <a:rPr lang="en-US" altLang="zh-TW" dirty="0" smtClean="0"/>
-              <a:t>A Web Crawler for </a:t>
+              <a:t>A Web Crawler </a:t>
             </a:r>
             <a:r>
-              <a:rPr lang="en-US" altLang="zh-TW" dirty="0"/>
-              <a:t>Abstract Analysis</a:t>
+              <a:rPr lang="en-US" altLang="zh-TW" smtClean="0"/>
+              <a:t>for </a:t>
+            </a:r>
+            <a:r>
+              <a:rPr lang="en-US" altLang="zh-TW" smtClean="0"/>
+              <a:t>Abstract</a:t>
             </a:r>
             <a:endParaRPr dirty="0"/>
           </a:p>
@@ -8997,7 +9001,7 @@
           </a:prstGeom>
           <a:extLst>
             <a:ext uri="{C572A759-6A51-4108-AA02-DFA0A04FC94B}">
-              <ma14:wrappingTextBoxFlag xmlns="" xmlns:m="http://schemas.openxmlformats.org/officeDocument/2006/math" xmlns:a14="http://schemas.microsoft.com/office/drawing/2010/main" xmlns:ma14="http://schemas.microsoft.com/office/mac/drawingml/2011/main" val="1"/>
+              <ma14:wrappingTextBoxFlag xmlns:ma14="http://schemas.microsoft.com/office/mac/drawingml/2011/main" xmlns:a14="http://schemas.microsoft.com/office/drawing/2010/main" xmlns:m="http://schemas.openxmlformats.org/officeDocument/2006/math" xmlns="" val="1"/>
             </a:ext>
           </a:extLst>
         </p:spPr>
@@ -9033,7 +9037,7 @@
           </a:ln>
           <a:extLst>
             <a:ext uri="{C572A759-6A51-4108-AA02-DFA0A04FC94B}">
-              <ma14:wrappingTextBoxFlag xmlns="" xmlns:m="http://schemas.openxmlformats.org/officeDocument/2006/math" xmlns:a14="http://schemas.microsoft.com/office/drawing/2010/main" xmlns:ma14="http://schemas.microsoft.com/office/mac/drawingml/2011/main" val="1"/>
+              <ma14:wrappingTextBoxFlag xmlns:ma14="http://schemas.microsoft.com/office/mac/drawingml/2011/main" xmlns:a14="http://schemas.microsoft.com/office/drawing/2010/main" xmlns:m="http://schemas.openxmlformats.org/officeDocument/2006/math" xmlns="" val="1"/>
             </a:ext>
           </a:extLst>
         </p:spPr>
@@ -9114,7 +9118,7 @@
           </a:prstGeom>
           <a:extLst>
             <a:ext uri="{C572A759-6A51-4108-AA02-DFA0A04FC94B}">
-              <ma14:wrappingTextBoxFlag xmlns="" xmlns:m="http://schemas.openxmlformats.org/officeDocument/2006/math" xmlns:a14="http://schemas.microsoft.com/office/drawing/2010/main" xmlns:ma14="http://schemas.microsoft.com/office/mac/drawingml/2011/main" val="1"/>
+              <ma14:wrappingTextBoxFlag xmlns:ma14="http://schemas.microsoft.com/office/mac/drawingml/2011/main" xmlns:a14="http://schemas.microsoft.com/office/drawing/2010/main" xmlns:m="http://schemas.openxmlformats.org/officeDocument/2006/math" xmlns="" val="1"/>
             </a:ext>
           </a:extLst>
         </p:spPr>
@@ -9198,7 +9202,6 @@
               <a:rPr lang="en-US" altLang="zh-TW" dirty="0" smtClean="0"/>
               <a:t>Set K=7</a:t>
             </a:r>
-            <a:endParaRPr lang="en-US" altLang="zh-TW" dirty="0" smtClean="0"/>
           </a:p>
           <a:p>
             <a:pPr marL="294893" lvl="1" indent="-294893" algn="just" defTabSz="502412">
@@ -9445,7 +9448,7 @@
           </a:prstGeom>
           <a:extLst>
             <a:ext uri="{C572A759-6A51-4108-AA02-DFA0A04FC94B}">
-              <ma14:wrappingTextBoxFlag xmlns="" xmlns:m="http://schemas.openxmlformats.org/officeDocument/2006/math" xmlns:a14="http://schemas.microsoft.com/office/drawing/2010/main" xmlns:ma14="http://schemas.microsoft.com/office/mac/drawingml/2011/main" val="1"/>
+              <ma14:wrappingTextBoxFlag xmlns:ma14="http://schemas.microsoft.com/office/mac/drawingml/2011/main" xmlns:a14="http://schemas.microsoft.com/office/drawing/2010/main" xmlns:m="http://schemas.openxmlformats.org/officeDocument/2006/math" xmlns="" val="1"/>
             </a:ext>
           </a:extLst>
         </p:spPr>
@@ -10774,21 +10777,8 @@
                   <a:schemeClr val="accent2"/>
                 </a:solidFill>
               </a:rPr>
-              <a:t>Risk analysis </a:t>
+              <a:t>Risk analysis methods</a:t>
             </a:r>
-            <a:r>
-              <a:rPr lang="en-US" altLang="zh-TW" dirty="0" smtClean="0">
-                <a:solidFill>
-                  <a:schemeClr val="accent2"/>
-                </a:solidFill>
-              </a:rPr>
-              <a:t>methods</a:t>
-            </a:r>
-            <a:endParaRPr lang="en-US" altLang="zh-TW" dirty="0" smtClean="0">
-              <a:solidFill>
-                <a:schemeClr val="accent2"/>
-              </a:solidFill>
-            </a:endParaRPr>
           </a:p>
           <a:p>
             <a:pPr algn="ctr"/>
@@ -10893,31 +10883,7 @@
                   <a:schemeClr val="accent2"/>
                 </a:solidFill>
               </a:rPr>
-              <a:t>Approaches </a:t>
-            </a:r>
-            <a:r>
-              <a:rPr lang="en-US" altLang="zh-TW" dirty="0" smtClean="0">
-                <a:solidFill>
-                  <a:schemeClr val="accent2"/>
-                </a:solidFill>
-              </a:rPr>
-              <a:t>for </a:t>
-            </a:r>
-            <a:r>
-              <a:rPr lang="en-US" altLang="zh-TW" dirty="0" smtClean="0">
-                <a:solidFill>
-                  <a:schemeClr val="accent2"/>
-                </a:solidFill>
-              </a:rPr>
-              <a:t>currency </a:t>
-            </a:r>
-            <a:r>
-              <a:rPr lang="en-US" altLang="zh-TW" dirty="0" smtClean="0">
-                <a:solidFill>
-                  <a:schemeClr val="accent2"/>
-                </a:solidFill>
-              </a:rPr>
-              <a:t>market</a:t>
+              <a:t>Approaches for currency market</a:t>
             </a:r>
           </a:p>
           <a:p>
